--- a/factors influencing students' decisions to enroll in.pptx
+++ b/factors influencing students' decisions to enroll in.pptx
@@ -9,6 +9,8 @@
     <p:sldId id="257" r:id="rId3"/>
     <p:sldId id="258" r:id="rId4"/>
     <p:sldId id="259" r:id="rId5"/>
+    <p:sldId id="261" r:id="rId6"/>
+    <p:sldId id="260" r:id="rId7"/>
   </p:sldIdLst>
   <p:sldSz cx="12192000" cy="6858000"/>
   <p:notesSz cx="6858000" cy="9144000"/>
@@ -107,6 +109,11 @@
       </a:defRPr>
     </a:lvl9pPr>
   </p:defaultTextStyle>
+  <p:extLst>
+    <p:ext uri="{EFAFB233-063F-42B5-8137-9DF3F51BA10A}">
+      <p15:sldGuideLst xmlns:p15="http://schemas.microsoft.com/office/powerpoint/2012/main"/>
+    </p:ext>
+  </p:extLst>
 </p:presentation>
 </file>
 
@@ -6117,10 +6124,1347 @@
           <a:chExt cx="0" cy="0"/>
         </a:xfrm>
       </p:grpSpPr>
+      <p:sp>
+        <p:nvSpPr>
+          <p:cNvPr id="2" name="Rectangle 1"/>
+          <p:cNvSpPr/>
+          <p:nvPr/>
+        </p:nvSpPr>
+        <p:spPr>
+          <a:xfrm>
+            <a:off x="1975756" y="2424793"/>
+            <a:ext cx="1738993" cy="555171"/>
+          </a:xfrm>
+          <a:prstGeom prst="rect">
+            <a:avLst/>
+          </a:prstGeom>
+        </p:spPr>
+        <p:style>
+          <a:lnRef idx="2">
+            <a:schemeClr val="accent1">
+              <a:shade val="50000"/>
+            </a:schemeClr>
+          </a:lnRef>
+          <a:fillRef idx="1">
+            <a:schemeClr val="accent1"/>
+          </a:fillRef>
+          <a:effectRef idx="0">
+            <a:schemeClr val="accent1"/>
+          </a:effectRef>
+          <a:fontRef idx="minor">
+            <a:schemeClr val="lt1"/>
+          </a:fontRef>
+        </p:style>
+        <p:txBody>
+          <a:bodyPr rtlCol="0" anchor="ctr"/>
+          <a:lstStyle/>
+          <a:p>
+            <a:pPr algn="ctr"/>
+            <a:r>
+              <a:rPr lang="en-US" dirty="0" smtClean="0"/>
+              <a:t>Factor 2 (questionnaires)</a:t>
+            </a:r>
+            <a:endParaRPr lang="en-US" dirty="0"/>
+          </a:p>
+        </p:txBody>
+      </p:sp>
+      <p:sp>
+        <p:nvSpPr>
+          <p:cNvPr id="3" name="Rectangle 2"/>
+          <p:cNvSpPr/>
+          <p:nvPr/>
+        </p:nvSpPr>
+        <p:spPr>
+          <a:xfrm>
+            <a:off x="1975756" y="3491593"/>
+            <a:ext cx="1738993" cy="555171"/>
+          </a:xfrm>
+          <a:prstGeom prst="rect">
+            <a:avLst/>
+          </a:prstGeom>
+        </p:spPr>
+        <p:style>
+          <a:lnRef idx="2">
+            <a:schemeClr val="accent1">
+              <a:shade val="50000"/>
+            </a:schemeClr>
+          </a:lnRef>
+          <a:fillRef idx="1">
+            <a:schemeClr val="accent1"/>
+          </a:fillRef>
+          <a:effectRef idx="0">
+            <a:schemeClr val="accent1"/>
+          </a:effectRef>
+          <a:fontRef idx="minor">
+            <a:schemeClr val="lt1"/>
+          </a:fontRef>
+        </p:style>
+        <p:txBody>
+          <a:bodyPr rtlCol="0" anchor="ctr"/>
+          <a:lstStyle/>
+          <a:p>
+            <a:pPr algn="ctr"/>
+            <a:r>
+              <a:rPr lang="en-US" dirty="0" smtClean="0"/>
+              <a:t>Factor 3 (questionnaires)</a:t>
+            </a:r>
+            <a:endParaRPr lang="en-US" dirty="0"/>
+          </a:p>
+        </p:txBody>
+      </p:sp>
+      <p:sp>
+        <p:nvSpPr>
+          <p:cNvPr id="4" name="Rectangle 3"/>
+          <p:cNvSpPr/>
+          <p:nvPr/>
+        </p:nvSpPr>
+        <p:spPr>
+          <a:xfrm>
+            <a:off x="1951262" y="1450521"/>
+            <a:ext cx="1738993" cy="555171"/>
+          </a:xfrm>
+          <a:prstGeom prst="rect">
+            <a:avLst/>
+          </a:prstGeom>
+        </p:spPr>
+        <p:style>
+          <a:lnRef idx="2">
+            <a:schemeClr val="accent1">
+              <a:shade val="50000"/>
+            </a:schemeClr>
+          </a:lnRef>
+          <a:fillRef idx="1">
+            <a:schemeClr val="accent1"/>
+          </a:fillRef>
+          <a:effectRef idx="0">
+            <a:schemeClr val="accent1"/>
+          </a:effectRef>
+          <a:fontRef idx="minor">
+            <a:schemeClr val="lt1"/>
+          </a:fontRef>
+        </p:style>
+        <p:txBody>
+          <a:bodyPr rtlCol="0" anchor="ctr"/>
+          <a:lstStyle/>
+          <a:p>
+            <a:pPr algn="ctr"/>
+            <a:r>
+              <a:rPr lang="en-US" dirty="0" smtClean="0"/>
+              <a:t>Factor 1 (questionnaires)</a:t>
+            </a:r>
+            <a:endParaRPr lang="en-US" dirty="0"/>
+          </a:p>
+        </p:txBody>
+      </p:sp>
+      <p:sp>
+        <p:nvSpPr>
+          <p:cNvPr id="5" name="Rectangle 4"/>
+          <p:cNvSpPr/>
+          <p:nvPr/>
+        </p:nvSpPr>
+        <p:spPr>
+          <a:xfrm>
+            <a:off x="1951261" y="4683579"/>
+            <a:ext cx="1738993" cy="555171"/>
+          </a:xfrm>
+          <a:prstGeom prst="rect">
+            <a:avLst/>
+          </a:prstGeom>
+        </p:spPr>
+        <p:style>
+          <a:lnRef idx="2">
+            <a:schemeClr val="accent1">
+              <a:shade val="50000"/>
+            </a:schemeClr>
+          </a:lnRef>
+          <a:fillRef idx="1">
+            <a:schemeClr val="accent1"/>
+          </a:fillRef>
+          <a:effectRef idx="0">
+            <a:schemeClr val="accent1"/>
+          </a:effectRef>
+          <a:fontRef idx="minor">
+            <a:schemeClr val="lt1"/>
+          </a:fontRef>
+        </p:style>
+        <p:txBody>
+          <a:bodyPr rtlCol="0" anchor="ctr"/>
+          <a:lstStyle/>
+          <a:p>
+            <a:pPr algn="ctr"/>
+            <a:r>
+              <a:rPr lang="en-US" dirty="0" smtClean="0"/>
+              <a:t>Factor 4 (questionnaires)</a:t>
+            </a:r>
+            <a:endParaRPr lang="en-US" dirty="0"/>
+          </a:p>
+        </p:txBody>
+      </p:sp>
+      <p:sp>
+        <p:nvSpPr>
+          <p:cNvPr id="6" name="Rectangle 5"/>
+          <p:cNvSpPr/>
+          <p:nvPr/>
+        </p:nvSpPr>
+        <p:spPr>
+          <a:xfrm>
+            <a:off x="5018312" y="2857499"/>
+            <a:ext cx="1738993" cy="555171"/>
+          </a:xfrm>
+          <a:prstGeom prst="rect">
+            <a:avLst/>
+          </a:prstGeom>
+        </p:spPr>
+        <p:style>
+          <a:lnRef idx="2">
+            <a:schemeClr val="accent1">
+              <a:shade val="50000"/>
+            </a:schemeClr>
+          </a:lnRef>
+          <a:fillRef idx="1">
+            <a:schemeClr val="accent1"/>
+          </a:fillRef>
+          <a:effectRef idx="0">
+            <a:schemeClr val="accent1"/>
+          </a:effectRef>
+          <a:fontRef idx="minor">
+            <a:schemeClr val="lt1"/>
+          </a:fontRef>
+        </p:style>
+        <p:txBody>
+          <a:bodyPr rtlCol="0" anchor="ctr"/>
+          <a:lstStyle/>
+          <a:p>
+            <a:pPr algn="ctr"/>
+            <a:r>
+              <a:rPr lang="en-US" dirty="0" smtClean="0"/>
+              <a:t>Motivated</a:t>
+            </a:r>
+            <a:endParaRPr lang="en-US" dirty="0"/>
+          </a:p>
+        </p:txBody>
+      </p:sp>
+      <p:sp>
+        <p:nvSpPr>
+          <p:cNvPr id="7" name="Rectangle 6"/>
+          <p:cNvSpPr/>
+          <p:nvPr/>
+        </p:nvSpPr>
+        <p:spPr>
+          <a:xfrm>
+            <a:off x="7766955" y="2857498"/>
+            <a:ext cx="1738993" cy="555171"/>
+          </a:xfrm>
+          <a:prstGeom prst="rect">
+            <a:avLst/>
+          </a:prstGeom>
+        </p:spPr>
+        <p:style>
+          <a:lnRef idx="2">
+            <a:schemeClr val="accent1">
+              <a:shade val="50000"/>
+            </a:schemeClr>
+          </a:lnRef>
+          <a:fillRef idx="1">
+            <a:schemeClr val="accent1"/>
+          </a:fillRef>
+          <a:effectRef idx="0">
+            <a:schemeClr val="accent1"/>
+          </a:effectRef>
+          <a:fontRef idx="minor">
+            <a:schemeClr val="lt1"/>
+          </a:fontRef>
+        </p:style>
+        <p:txBody>
+          <a:bodyPr rtlCol="0" anchor="ctr"/>
+          <a:lstStyle/>
+          <a:p>
+            <a:pPr algn="ctr"/>
+            <a:r>
+              <a:rPr lang="en-US" dirty="0" smtClean="0"/>
+              <a:t>enroll</a:t>
+            </a:r>
+            <a:endParaRPr lang="en-US" dirty="0"/>
+          </a:p>
+        </p:txBody>
+      </p:sp>
+      <p:cxnSp>
+        <p:nvCxnSpPr>
+          <p:cNvPr id="9" name="Straight Arrow Connector 8"/>
+          <p:cNvCxnSpPr>
+            <a:stCxn id="4" idx="3"/>
+            <a:endCxn id="6" idx="1"/>
+          </p:cNvCxnSpPr>
+          <p:nvPr/>
+        </p:nvCxnSpPr>
+        <p:spPr>
+          <a:xfrm>
+            <a:off x="3690255" y="1728107"/>
+            <a:ext cx="1328057" cy="1406978"/>
+          </a:xfrm>
+          <a:prstGeom prst="straightConnector1">
+            <a:avLst/>
+          </a:prstGeom>
+          <a:ln>
+            <a:tailEnd type="triangle"/>
+          </a:ln>
+        </p:spPr>
+        <p:style>
+          <a:lnRef idx="1">
+            <a:schemeClr val="accent1"/>
+          </a:lnRef>
+          <a:fillRef idx="0">
+            <a:schemeClr val="accent1"/>
+          </a:fillRef>
+          <a:effectRef idx="0">
+            <a:schemeClr val="accent1"/>
+          </a:effectRef>
+          <a:fontRef idx="minor">
+            <a:schemeClr val="tx1"/>
+          </a:fontRef>
+        </p:style>
+      </p:cxnSp>
+      <p:cxnSp>
+        <p:nvCxnSpPr>
+          <p:cNvPr id="10" name="Straight Arrow Connector 9"/>
+          <p:cNvCxnSpPr>
+            <a:stCxn id="2" idx="3"/>
+            <a:endCxn id="6" idx="1"/>
+          </p:cNvCxnSpPr>
+          <p:nvPr/>
+        </p:nvCxnSpPr>
+        <p:spPr>
+          <a:xfrm>
+            <a:off x="3714749" y="2702379"/>
+            <a:ext cx="1303563" cy="432706"/>
+          </a:xfrm>
+          <a:prstGeom prst="straightConnector1">
+            <a:avLst/>
+          </a:prstGeom>
+          <a:ln>
+            <a:tailEnd type="triangle"/>
+          </a:ln>
+        </p:spPr>
+        <p:style>
+          <a:lnRef idx="1">
+            <a:schemeClr val="accent1"/>
+          </a:lnRef>
+          <a:fillRef idx="0">
+            <a:schemeClr val="accent1"/>
+          </a:fillRef>
+          <a:effectRef idx="0">
+            <a:schemeClr val="accent1"/>
+          </a:effectRef>
+          <a:fontRef idx="minor">
+            <a:schemeClr val="tx1"/>
+          </a:fontRef>
+        </p:style>
+      </p:cxnSp>
+      <p:cxnSp>
+        <p:nvCxnSpPr>
+          <p:cNvPr id="13" name="Straight Arrow Connector 12"/>
+          <p:cNvCxnSpPr>
+            <a:stCxn id="3" idx="3"/>
+            <a:endCxn id="6" idx="1"/>
+          </p:cNvCxnSpPr>
+          <p:nvPr/>
+        </p:nvCxnSpPr>
+        <p:spPr>
+          <a:xfrm flipV="1">
+            <a:off x="3714749" y="3135085"/>
+            <a:ext cx="1303563" cy="634094"/>
+          </a:xfrm>
+          <a:prstGeom prst="straightConnector1">
+            <a:avLst/>
+          </a:prstGeom>
+          <a:ln>
+            <a:tailEnd type="triangle"/>
+          </a:ln>
+        </p:spPr>
+        <p:style>
+          <a:lnRef idx="1">
+            <a:schemeClr val="accent1"/>
+          </a:lnRef>
+          <a:fillRef idx="0">
+            <a:schemeClr val="accent1"/>
+          </a:fillRef>
+          <a:effectRef idx="0">
+            <a:schemeClr val="accent1"/>
+          </a:effectRef>
+          <a:fontRef idx="minor">
+            <a:schemeClr val="tx1"/>
+          </a:fontRef>
+        </p:style>
+      </p:cxnSp>
+      <p:cxnSp>
+        <p:nvCxnSpPr>
+          <p:cNvPr id="16" name="Straight Arrow Connector 15"/>
+          <p:cNvCxnSpPr>
+            <a:stCxn id="5" idx="3"/>
+            <a:endCxn id="6" idx="1"/>
+          </p:cNvCxnSpPr>
+          <p:nvPr/>
+        </p:nvCxnSpPr>
+        <p:spPr>
+          <a:xfrm flipV="1">
+            <a:off x="3690254" y="3135085"/>
+            <a:ext cx="1328058" cy="1826080"/>
+          </a:xfrm>
+          <a:prstGeom prst="straightConnector1">
+            <a:avLst/>
+          </a:prstGeom>
+          <a:ln>
+            <a:tailEnd type="triangle"/>
+          </a:ln>
+        </p:spPr>
+        <p:style>
+          <a:lnRef idx="1">
+            <a:schemeClr val="accent1"/>
+          </a:lnRef>
+          <a:fillRef idx="0">
+            <a:schemeClr val="accent1"/>
+          </a:fillRef>
+          <a:effectRef idx="0">
+            <a:schemeClr val="accent1"/>
+          </a:effectRef>
+          <a:fontRef idx="minor">
+            <a:schemeClr val="tx1"/>
+          </a:fontRef>
+        </p:style>
+      </p:cxnSp>
+      <p:cxnSp>
+        <p:nvCxnSpPr>
+          <p:cNvPr id="19" name="Straight Arrow Connector 18"/>
+          <p:cNvCxnSpPr>
+            <a:stCxn id="6" idx="3"/>
+            <a:endCxn id="7" idx="1"/>
+          </p:cNvCxnSpPr>
+          <p:nvPr/>
+        </p:nvCxnSpPr>
+        <p:spPr>
+          <a:xfrm flipV="1">
+            <a:off x="6757305" y="3135084"/>
+            <a:ext cx="1009650" cy="1"/>
+          </a:xfrm>
+          <a:prstGeom prst="straightConnector1">
+            <a:avLst/>
+          </a:prstGeom>
+          <a:ln>
+            <a:tailEnd type="triangle"/>
+          </a:ln>
+        </p:spPr>
+        <p:style>
+          <a:lnRef idx="1">
+            <a:schemeClr val="accent1"/>
+          </a:lnRef>
+          <a:fillRef idx="0">
+            <a:schemeClr val="accent1"/>
+          </a:fillRef>
+          <a:effectRef idx="0">
+            <a:schemeClr val="accent1"/>
+          </a:effectRef>
+          <a:fontRef idx="minor">
+            <a:schemeClr val="tx1"/>
+          </a:fontRef>
+        </p:style>
+      </p:cxnSp>
     </p:spTree>
     <p:extLst>
       <p:ext uri="{BB962C8B-B14F-4D97-AF65-F5344CB8AC3E}">
-        <p14:creationId xmlns:p14="http://schemas.microsoft.com/office/powerpoint/2010/main" val="217076670"/>
+        <p14:creationId xmlns:p14="http://schemas.microsoft.com/office/powerpoint/2010/main" val="419611300"/>
+      </p:ext>
+    </p:extLst>
+  </p:cSld>
+  <p:clrMapOvr>
+    <a:masterClrMapping/>
+  </p:clrMapOvr>
+</p:sld>
+</file>
+
+<file path=ppt/slides/slide5.xml><?xml version="1.0" encoding="utf-8"?>
+<p:sld xmlns:a="http://schemas.openxmlformats.org/drawingml/2006/main" xmlns:r="http://schemas.openxmlformats.org/officeDocument/2006/relationships" xmlns:p="http://schemas.openxmlformats.org/presentationml/2006/main">
+  <p:cSld>
+    <p:spTree>
+      <p:nvGrpSpPr>
+        <p:cNvPr id="1" name=""/>
+        <p:cNvGrpSpPr/>
+        <p:nvPr/>
+      </p:nvGrpSpPr>
+      <p:grpSpPr>
+        <a:xfrm>
+          <a:off x="0" y="0"/>
+          <a:ext cx="0" cy="0"/>
+          <a:chOff x="0" y="0"/>
+          <a:chExt cx="0" cy="0"/>
+        </a:xfrm>
+      </p:grpSpPr>
+      <p:sp>
+        <p:nvSpPr>
+          <p:cNvPr id="8" name="TextBox 7"/>
+          <p:cNvSpPr txBox="1"/>
+          <p:nvPr/>
+        </p:nvSpPr>
+        <p:spPr>
+          <a:xfrm>
+            <a:off x="1045028" y="816429"/>
+            <a:ext cx="10205357" cy="5909310"/>
+          </a:xfrm>
+          <a:prstGeom prst="rect">
+            <a:avLst/>
+          </a:prstGeom>
+          <a:noFill/>
+        </p:spPr>
+        <p:txBody>
+          <a:bodyPr wrap="square" rtlCol="0">
+            <a:spAutoFit/>
+          </a:bodyPr>
+          <a:lstStyle/>
+          <a:p>
+            <a:r>
+              <a:rPr lang="en-US" dirty="0">
+                <a:hlinkClick r:id="rId2"/>
+              </a:rPr>
+              <a:t>https://</a:t>
+            </a:r>
+            <a:r>
+              <a:rPr lang="en-US" dirty="0" smtClean="0">
+                <a:hlinkClick r:id="rId2"/>
+              </a:rPr>
+              <a:t>sisu.ut.ee/sites/default/files/ict/files/article_what_influences_students_to_study_information_and_communication_technology.pdf</a:t>
+            </a:r>
+            <a:endParaRPr lang="en-US" dirty="0" smtClean="0"/>
+          </a:p>
+          <a:p>
+            <a:endParaRPr lang="en-US" dirty="0"/>
+          </a:p>
+          <a:p>
+            <a:r>
+              <a:rPr lang="en-US" dirty="0">
+                <a:hlinkClick r:id="rId3"/>
+              </a:rPr>
+              <a:t>https://</a:t>
+            </a:r>
+            <a:r>
+              <a:rPr lang="en-US" dirty="0" smtClean="0">
+                <a:hlinkClick r:id="rId3"/>
+              </a:rPr>
+              <a:t>www.sciencedirect.com/science/article/pii/S1877042815025094</a:t>
+            </a:r>
+            <a:endParaRPr lang="en-US" dirty="0" smtClean="0"/>
+          </a:p>
+          <a:p>
+            <a:endParaRPr lang="en-US" dirty="0"/>
+          </a:p>
+          <a:p>
+            <a:r>
+              <a:rPr lang="en-US" dirty="0">
+                <a:hlinkClick r:id="rId4"/>
+              </a:rPr>
+              <a:t>https://</a:t>
+            </a:r>
+            <a:r>
+              <a:rPr lang="en-US" dirty="0" smtClean="0">
+                <a:hlinkClick r:id="rId4"/>
+              </a:rPr>
+              <a:t>files.eric.ed.gov/fulltext/EJ1136650.pdf</a:t>
+            </a:r>
+            <a:endParaRPr lang="en-US" dirty="0" smtClean="0"/>
+          </a:p>
+          <a:p>
+            <a:endParaRPr lang="en-US" dirty="0"/>
+          </a:p>
+          <a:p>
+            <a:r>
+              <a:rPr lang="en-US" dirty="0" smtClean="0"/>
+              <a:t>Those are the solid papers which match my topic. </a:t>
+            </a:r>
+          </a:p>
+          <a:p>
+            <a:r>
+              <a:rPr lang="en-US" dirty="0" smtClean="0"/>
+              <a:t>Must we read and summarize all paper in literature review? (according to our guideline it is said that we need to submit 4000 words for each submission). Judging from what you have said, the way I get is that.. Literature review must only contain research paper contents. But from what teacher </a:t>
+            </a:r>
+            <a:r>
+              <a:rPr lang="en-US" dirty="0" err="1" smtClean="0"/>
+              <a:t>Irin</a:t>
+            </a:r>
+            <a:r>
+              <a:rPr lang="en-US" dirty="0" smtClean="0"/>
+              <a:t>, we can also involve journals and articles too. Literature review contents must covers 8 to 10 paper, journals and articles (all shouldn’t have to be research paper). Furthermore, I would like to make my research topic something like “Does factors </a:t>
+            </a:r>
+            <a:r>
+              <a:rPr lang="en-US" dirty="0"/>
+              <a:t>influencing students' </a:t>
+            </a:r>
+            <a:r>
+              <a:rPr lang="en-US" dirty="0" smtClean="0"/>
+              <a:t>enrollment </a:t>
+            </a:r>
+            <a:r>
+              <a:rPr lang="en-US" dirty="0"/>
+              <a:t>in Computer </a:t>
+            </a:r>
+            <a:r>
+              <a:rPr lang="en-US" dirty="0" smtClean="0"/>
+              <a:t>Science and does they meet their expectation granted </a:t>
+            </a:r>
+            <a:r>
+              <a:rPr lang="en-US" dirty="0"/>
+              <a:t>at International colleges in </a:t>
+            </a:r>
+            <a:r>
+              <a:rPr lang="en-US" dirty="0" smtClean="0"/>
+              <a:t>Myanmar?” which matures “why some quit or drop out before they reach the end of education? Or why do they fail? Because of the factors influenced on them (may be want to be a hacker but colleges only teach programming)? </a:t>
+            </a:r>
+          </a:p>
+          <a:p>
+            <a:endParaRPr lang="en-US" dirty="0"/>
+          </a:p>
+          <a:p>
+            <a:r>
+              <a:rPr lang="en-US" dirty="0" smtClean="0"/>
+              <a:t>If I change my topic like </a:t>
+            </a:r>
+            <a:r>
+              <a:rPr lang="en-US" smtClean="0"/>
+              <a:t>that can </a:t>
+            </a:r>
+            <a:r>
+              <a:rPr lang="en-US" dirty="0" smtClean="0"/>
+              <a:t>I still </a:t>
+            </a:r>
+            <a:r>
+              <a:rPr lang="en-US" smtClean="0"/>
+              <a:t>use above papers?</a:t>
+            </a:r>
+            <a:endParaRPr lang="en-US" dirty="0" smtClean="0"/>
+          </a:p>
+          <a:p>
+            <a:endParaRPr lang="en-US" dirty="0" smtClean="0"/>
+          </a:p>
+          <a:p>
+            <a:endParaRPr lang="en-US" dirty="0"/>
+          </a:p>
+        </p:txBody>
+      </p:sp>
+    </p:spTree>
+    <p:extLst>
+      <p:ext uri="{BB962C8B-B14F-4D97-AF65-F5344CB8AC3E}">
+        <p14:creationId xmlns:p14="http://schemas.microsoft.com/office/powerpoint/2010/main" val="147582846"/>
+      </p:ext>
+    </p:extLst>
+  </p:cSld>
+  <p:clrMapOvr>
+    <a:masterClrMapping/>
+  </p:clrMapOvr>
+</p:sld>
+</file>
+
+<file path=ppt/slides/slide6.xml><?xml version="1.0" encoding="utf-8"?>
+<p:sld xmlns:a="http://schemas.openxmlformats.org/drawingml/2006/main" xmlns:r="http://schemas.openxmlformats.org/officeDocument/2006/relationships" xmlns:p="http://schemas.openxmlformats.org/presentationml/2006/main">
+  <p:cSld>
+    <p:spTree>
+      <p:nvGrpSpPr>
+        <p:cNvPr id="1" name=""/>
+        <p:cNvGrpSpPr/>
+        <p:nvPr/>
+      </p:nvGrpSpPr>
+      <p:grpSpPr>
+        <a:xfrm>
+          <a:off x="0" y="0"/>
+          <a:ext cx="0" cy="0"/>
+          <a:chOff x="0" y="0"/>
+          <a:chExt cx="0" cy="0"/>
+        </a:xfrm>
+      </p:grpSpPr>
+      <p:sp>
+        <p:nvSpPr>
+          <p:cNvPr id="2" name="Rectangle 1"/>
+          <p:cNvSpPr/>
+          <p:nvPr/>
+        </p:nvSpPr>
+        <p:spPr>
+          <a:xfrm>
+            <a:off x="987878" y="2547257"/>
+            <a:ext cx="1738993" cy="555171"/>
+          </a:xfrm>
+          <a:prstGeom prst="rect">
+            <a:avLst/>
+          </a:prstGeom>
+        </p:spPr>
+        <p:style>
+          <a:lnRef idx="2">
+            <a:schemeClr val="accent1">
+              <a:shade val="50000"/>
+            </a:schemeClr>
+          </a:lnRef>
+          <a:fillRef idx="1">
+            <a:schemeClr val="accent1"/>
+          </a:fillRef>
+          <a:effectRef idx="0">
+            <a:schemeClr val="accent1"/>
+          </a:effectRef>
+          <a:fontRef idx="minor">
+            <a:schemeClr val="lt1"/>
+          </a:fontRef>
+        </p:style>
+        <p:txBody>
+          <a:bodyPr rtlCol="0" anchor="ctr"/>
+          <a:lstStyle/>
+          <a:p>
+            <a:pPr algn="ctr"/>
+            <a:r>
+              <a:rPr lang="en-US" dirty="0" smtClean="0"/>
+              <a:t>Factor 2 (questionnaires)</a:t>
+            </a:r>
+            <a:endParaRPr lang="en-US" dirty="0"/>
+          </a:p>
+        </p:txBody>
+      </p:sp>
+      <p:sp>
+        <p:nvSpPr>
+          <p:cNvPr id="3" name="Rectangle 2"/>
+          <p:cNvSpPr/>
+          <p:nvPr/>
+        </p:nvSpPr>
+        <p:spPr>
+          <a:xfrm>
+            <a:off x="987878" y="3614057"/>
+            <a:ext cx="1738993" cy="555171"/>
+          </a:xfrm>
+          <a:prstGeom prst="rect">
+            <a:avLst/>
+          </a:prstGeom>
+        </p:spPr>
+        <p:style>
+          <a:lnRef idx="2">
+            <a:schemeClr val="accent1">
+              <a:shade val="50000"/>
+            </a:schemeClr>
+          </a:lnRef>
+          <a:fillRef idx="1">
+            <a:schemeClr val="accent1"/>
+          </a:fillRef>
+          <a:effectRef idx="0">
+            <a:schemeClr val="accent1"/>
+          </a:effectRef>
+          <a:fontRef idx="minor">
+            <a:schemeClr val="lt1"/>
+          </a:fontRef>
+        </p:style>
+        <p:txBody>
+          <a:bodyPr rtlCol="0" anchor="ctr"/>
+          <a:lstStyle/>
+          <a:p>
+            <a:pPr algn="ctr"/>
+            <a:r>
+              <a:rPr lang="en-US" dirty="0" smtClean="0"/>
+              <a:t>Factor 3 (questionnaires)</a:t>
+            </a:r>
+            <a:endParaRPr lang="en-US" dirty="0"/>
+          </a:p>
+        </p:txBody>
+      </p:sp>
+      <p:sp>
+        <p:nvSpPr>
+          <p:cNvPr id="4" name="Rectangle 3"/>
+          <p:cNvSpPr/>
+          <p:nvPr/>
+        </p:nvSpPr>
+        <p:spPr>
+          <a:xfrm>
+            <a:off x="963384" y="1572985"/>
+            <a:ext cx="1738993" cy="555171"/>
+          </a:xfrm>
+          <a:prstGeom prst="rect">
+            <a:avLst/>
+          </a:prstGeom>
+        </p:spPr>
+        <p:style>
+          <a:lnRef idx="2">
+            <a:schemeClr val="accent1">
+              <a:shade val="50000"/>
+            </a:schemeClr>
+          </a:lnRef>
+          <a:fillRef idx="1">
+            <a:schemeClr val="accent1"/>
+          </a:fillRef>
+          <a:effectRef idx="0">
+            <a:schemeClr val="accent1"/>
+          </a:effectRef>
+          <a:fontRef idx="minor">
+            <a:schemeClr val="lt1"/>
+          </a:fontRef>
+        </p:style>
+        <p:txBody>
+          <a:bodyPr rtlCol="0" anchor="ctr"/>
+          <a:lstStyle/>
+          <a:p>
+            <a:pPr algn="ctr"/>
+            <a:r>
+              <a:rPr lang="en-US" dirty="0" smtClean="0"/>
+              <a:t>Factor 1 (questionnaires)</a:t>
+            </a:r>
+            <a:endParaRPr lang="en-US" dirty="0"/>
+          </a:p>
+        </p:txBody>
+      </p:sp>
+      <p:sp>
+        <p:nvSpPr>
+          <p:cNvPr id="5" name="Rectangle 4"/>
+          <p:cNvSpPr/>
+          <p:nvPr/>
+        </p:nvSpPr>
+        <p:spPr>
+          <a:xfrm>
+            <a:off x="963383" y="4806043"/>
+            <a:ext cx="1738993" cy="555171"/>
+          </a:xfrm>
+          <a:prstGeom prst="rect">
+            <a:avLst/>
+          </a:prstGeom>
+        </p:spPr>
+        <p:style>
+          <a:lnRef idx="2">
+            <a:schemeClr val="accent1">
+              <a:shade val="50000"/>
+            </a:schemeClr>
+          </a:lnRef>
+          <a:fillRef idx="1">
+            <a:schemeClr val="accent1"/>
+          </a:fillRef>
+          <a:effectRef idx="0">
+            <a:schemeClr val="accent1"/>
+          </a:effectRef>
+          <a:fontRef idx="minor">
+            <a:schemeClr val="lt1"/>
+          </a:fontRef>
+        </p:style>
+        <p:txBody>
+          <a:bodyPr rtlCol="0" anchor="ctr"/>
+          <a:lstStyle/>
+          <a:p>
+            <a:pPr algn="ctr"/>
+            <a:r>
+              <a:rPr lang="en-US" dirty="0" smtClean="0"/>
+              <a:t>Factor 4 (questionnaires)</a:t>
+            </a:r>
+            <a:endParaRPr lang="en-US" dirty="0"/>
+          </a:p>
+        </p:txBody>
+      </p:sp>
+      <p:sp>
+        <p:nvSpPr>
+          <p:cNvPr id="6" name="Rectangle 5"/>
+          <p:cNvSpPr/>
+          <p:nvPr/>
+        </p:nvSpPr>
+        <p:spPr>
+          <a:xfrm>
+            <a:off x="4030434" y="2979963"/>
+            <a:ext cx="1738993" cy="555171"/>
+          </a:xfrm>
+          <a:prstGeom prst="rect">
+            <a:avLst/>
+          </a:prstGeom>
+        </p:spPr>
+        <p:style>
+          <a:lnRef idx="2">
+            <a:schemeClr val="accent1">
+              <a:shade val="50000"/>
+            </a:schemeClr>
+          </a:lnRef>
+          <a:fillRef idx="1">
+            <a:schemeClr val="accent1"/>
+          </a:fillRef>
+          <a:effectRef idx="0">
+            <a:schemeClr val="accent1"/>
+          </a:effectRef>
+          <a:fontRef idx="minor">
+            <a:schemeClr val="lt1"/>
+          </a:fontRef>
+        </p:style>
+        <p:txBody>
+          <a:bodyPr rtlCol="0" anchor="ctr"/>
+          <a:lstStyle/>
+          <a:p>
+            <a:pPr algn="ctr"/>
+            <a:r>
+              <a:rPr lang="en-US" dirty="0" smtClean="0"/>
+              <a:t>Motivated</a:t>
+            </a:r>
+            <a:endParaRPr lang="en-US" dirty="0"/>
+          </a:p>
+        </p:txBody>
+      </p:sp>
+      <p:sp>
+        <p:nvSpPr>
+          <p:cNvPr id="7" name="Rectangle 6"/>
+          <p:cNvSpPr/>
+          <p:nvPr/>
+        </p:nvSpPr>
+        <p:spPr>
+          <a:xfrm>
+            <a:off x="6779077" y="2979962"/>
+            <a:ext cx="1738993" cy="555171"/>
+          </a:xfrm>
+          <a:prstGeom prst="rect">
+            <a:avLst/>
+          </a:prstGeom>
+        </p:spPr>
+        <p:style>
+          <a:lnRef idx="2">
+            <a:schemeClr val="accent1">
+              <a:shade val="50000"/>
+            </a:schemeClr>
+          </a:lnRef>
+          <a:fillRef idx="1">
+            <a:schemeClr val="accent1"/>
+          </a:fillRef>
+          <a:effectRef idx="0">
+            <a:schemeClr val="accent1"/>
+          </a:effectRef>
+          <a:fontRef idx="minor">
+            <a:schemeClr val="lt1"/>
+          </a:fontRef>
+        </p:style>
+        <p:txBody>
+          <a:bodyPr rtlCol="0" anchor="ctr"/>
+          <a:lstStyle/>
+          <a:p>
+            <a:pPr algn="ctr"/>
+            <a:r>
+              <a:rPr lang="en-US" dirty="0" smtClean="0"/>
+              <a:t>enroll</a:t>
+            </a:r>
+            <a:endParaRPr lang="en-US" dirty="0"/>
+          </a:p>
+        </p:txBody>
+      </p:sp>
+      <p:cxnSp>
+        <p:nvCxnSpPr>
+          <p:cNvPr id="9" name="Straight Arrow Connector 8"/>
+          <p:cNvCxnSpPr>
+            <a:stCxn id="4" idx="3"/>
+            <a:endCxn id="6" idx="1"/>
+          </p:cNvCxnSpPr>
+          <p:nvPr/>
+        </p:nvCxnSpPr>
+        <p:spPr>
+          <a:xfrm>
+            <a:off x="2702377" y="1850571"/>
+            <a:ext cx="1328057" cy="1406978"/>
+          </a:xfrm>
+          <a:prstGeom prst="straightConnector1">
+            <a:avLst/>
+          </a:prstGeom>
+          <a:ln>
+            <a:tailEnd type="triangle"/>
+          </a:ln>
+        </p:spPr>
+        <p:style>
+          <a:lnRef idx="1">
+            <a:schemeClr val="accent1"/>
+          </a:lnRef>
+          <a:fillRef idx="0">
+            <a:schemeClr val="accent1"/>
+          </a:fillRef>
+          <a:effectRef idx="0">
+            <a:schemeClr val="accent1"/>
+          </a:effectRef>
+          <a:fontRef idx="minor">
+            <a:schemeClr val="tx1"/>
+          </a:fontRef>
+        </p:style>
+      </p:cxnSp>
+      <p:cxnSp>
+        <p:nvCxnSpPr>
+          <p:cNvPr id="10" name="Straight Arrow Connector 9"/>
+          <p:cNvCxnSpPr>
+            <a:stCxn id="2" idx="3"/>
+            <a:endCxn id="6" idx="1"/>
+          </p:cNvCxnSpPr>
+          <p:nvPr/>
+        </p:nvCxnSpPr>
+        <p:spPr>
+          <a:xfrm>
+            <a:off x="2726871" y="2824843"/>
+            <a:ext cx="1303563" cy="432706"/>
+          </a:xfrm>
+          <a:prstGeom prst="straightConnector1">
+            <a:avLst/>
+          </a:prstGeom>
+          <a:ln>
+            <a:tailEnd type="triangle"/>
+          </a:ln>
+        </p:spPr>
+        <p:style>
+          <a:lnRef idx="1">
+            <a:schemeClr val="accent1"/>
+          </a:lnRef>
+          <a:fillRef idx="0">
+            <a:schemeClr val="accent1"/>
+          </a:fillRef>
+          <a:effectRef idx="0">
+            <a:schemeClr val="accent1"/>
+          </a:effectRef>
+          <a:fontRef idx="minor">
+            <a:schemeClr val="tx1"/>
+          </a:fontRef>
+        </p:style>
+      </p:cxnSp>
+      <p:cxnSp>
+        <p:nvCxnSpPr>
+          <p:cNvPr id="13" name="Straight Arrow Connector 12"/>
+          <p:cNvCxnSpPr>
+            <a:stCxn id="3" idx="3"/>
+            <a:endCxn id="6" idx="1"/>
+          </p:cNvCxnSpPr>
+          <p:nvPr/>
+        </p:nvCxnSpPr>
+        <p:spPr>
+          <a:xfrm flipV="1">
+            <a:off x="2726871" y="3257549"/>
+            <a:ext cx="1303563" cy="634094"/>
+          </a:xfrm>
+          <a:prstGeom prst="straightConnector1">
+            <a:avLst/>
+          </a:prstGeom>
+          <a:ln>
+            <a:tailEnd type="triangle"/>
+          </a:ln>
+        </p:spPr>
+        <p:style>
+          <a:lnRef idx="1">
+            <a:schemeClr val="accent1"/>
+          </a:lnRef>
+          <a:fillRef idx="0">
+            <a:schemeClr val="accent1"/>
+          </a:fillRef>
+          <a:effectRef idx="0">
+            <a:schemeClr val="accent1"/>
+          </a:effectRef>
+          <a:fontRef idx="minor">
+            <a:schemeClr val="tx1"/>
+          </a:fontRef>
+        </p:style>
+      </p:cxnSp>
+      <p:cxnSp>
+        <p:nvCxnSpPr>
+          <p:cNvPr id="16" name="Straight Arrow Connector 15"/>
+          <p:cNvCxnSpPr>
+            <a:stCxn id="5" idx="3"/>
+            <a:endCxn id="6" idx="1"/>
+          </p:cNvCxnSpPr>
+          <p:nvPr/>
+        </p:nvCxnSpPr>
+        <p:spPr>
+          <a:xfrm flipV="1">
+            <a:off x="2702376" y="3257549"/>
+            <a:ext cx="1328058" cy="1826080"/>
+          </a:xfrm>
+          <a:prstGeom prst="straightConnector1">
+            <a:avLst/>
+          </a:prstGeom>
+          <a:ln>
+            <a:tailEnd type="triangle"/>
+          </a:ln>
+        </p:spPr>
+        <p:style>
+          <a:lnRef idx="1">
+            <a:schemeClr val="accent1"/>
+          </a:lnRef>
+          <a:fillRef idx="0">
+            <a:schemeClr val="accent1"/>
+          </a:fillRef>
+          <a:effectRef idx="0">
+            <a:schemeClr val="accent1"/>
+          </a:effectRef>
+          <a:fontRef idx="minor">
+            <a:schemeClr val="tx1"/>
+          </a:fontRef>
+        </p:style>
+      </p:cxnSp>
+      <p:cxnSp>
+        <p:nvCxnSpPr>
+          <p:cNvPr id="19" name="Straight Arrow Connector 18"/>
+          <p:cNvCxnSpPr>
+            <a:stCxn id="6" idx="3"/>
+            <a:endCxn id="7" idx="1"/>
+          </p:cNvCxnSpPr>
+          <p:nvPr/>
+        </p:nvCxnSpPr>
+        <p:spPr>
+          <a:xfrm flipV="1">
+            <a:off x="5769427" y="3257548"/>
+            <a:ext cx="1009650" cy="1"/>
+          </a:xfrm>
+          <a:prstGeom prst="straightConnector1">
+            <a:avLst/>
+          </a:prstGeom>
+          <a:ln>
+            <a:tailEnd type="triangle"/>
+          </a:ln>
+        </p:spPr>
+        <p:style>
+          <a:lnRef idx="1">
+            <a:schemeClr val="accent1"/>
+          </a:lnRef>
+          <a:fillRef idx="0">
+            <a:schemeClr val="accent1"/>
+          </a:fillRef>
+          <a:effectRef idx="0">
+            <a:schemeClr val="accent1"/>
+          </a:effectRef>
+          <a:fontRef idx="minor">
+            <a:schemeClr val="tx1"/>
+          </a:fontRef>
+        </p:style>
+      </p:cxnSp>
+      <p:sp>
+        <p:nvSpPr>
+          <p:cNvPr id="14" name="Rectangle 13"/>
+          <p:cNvSpPr/>
+          <p:nvPr/>
+        </p:nvSpPr>
+        <p:spPr>
+          <a:xfrm>
+            <a:off x="9304564" y="2966358"/>
+            <a:ext cx="1738993" cy="555171"/>
+          </a:xfrm>
+          <a:prstGeom prst="rect">
+            <a:avLst/>
+          </a:prstGeom>
+        </p:spPr>
+        <p:style>
+          <a:lnRef idx="2">
+            <a:schemeClr val="accent1">
+              <a:shade val="50000"/>
+            </a:schemeClr>
+          </a:lnRef>
+          <a:fillRef idx="1">
+            <a:schemeClr val="accent1"/>
+          </a:fillRef>
+          <a:effectRef idx="0">
+            <a:schemeClr val="accent1"/>
+          </a:effectRef>
+          <a:fontRef idx="minor">
+            <a:schemeClr val="lt1"/>
+          </a:fontRef>
+        </p:style>
+        <p:txBody>
+          <a:bodyPr rtlCol="0" anchor="ctr"/>
+          <a:lstStyle/>
+          <a:p>
+            <a:pPr algn="ctr"/>
+            <a:r>
+              <a:rPr lang="en-US" dirty="0" smtClean="0"/>
+              <a:t>graduate</a:t>
+            </a:r>
+            <a:endParaRPr lang="en-US" dirty="0"/>
+          </a:p>
+        </p:txBody>
+      </p:sp>
+      <p:sp>
+        <p:nvSpPr>
+          <p:cNvPr id="15" name="Rectangle 14"/>
+          <p:cNvSpPr/>
+          <p:nvPr/>
+        </p:nvSpPr>
+        <p:spPr>
+          <a:xfrm>
+            <a:off x="9304564" y="4033158"/>
+            <a:ext cx="1738993" cy="555171"/>
+          </a:xfrm>
+          <a:prstGeom prst="rect">
+            <a:avLst/>
+          </a:prstGeom>
+        </p:spPr>
+        <p:style>
+          <a:lnRef idx="2">
+            <a:schemeClr val="accent1">
+              <a:shade val="50000"/>
+            </a:schemeClr>
+          </a:lnRef>
+          <a:fillRef idx="1">
+            <a:schemeClr val="accent1"/>
+          </a:fillRef>
+          <a:effectRef idx="0">
+            <a:schemeClr val="accent1"/>
+          </a:effectRef>
+          <a:fontRef idx="minor">
+            <a:schemeClr val="lt1"/>
+          </a:fontRef>
+        </p:style>
+        <p:txBody>
+          <a:bodyPr rtlCol="0" anchor="ctr"/>
+          <a:lstStyle/>
+          <a:p>
+            <a:pPr algn="ctr"/>
+            <a:r>
+              <a:rPr lang="en-US" dirty="0" smtClean="0"/>
+              <a:t>Re take</a:t>
+            </a:r>
+            <a:endParaRPr lang="en-US" dirty="0"/>
+          </a:p>
+        </p:txBody>
+      </p:sp>
+      <p:sp>
+        <p:nvSpPr>
+          <p:cNvPr id="17" name="Rectangle 16"/>
+          <p:cNvSpPr/>
+          <p:nvPr/>
+        </p:nvSpPr>
+        <p:spPr>
+          <a:xfrm>
+            <a:off x="9280070" y="1992086"/>
+            <a:ext cx="1738993" cy="555171"/>
+          </a:xfrm>
+          <a:prstGeom prst="rect">
+            <a:avLst/>
+          </a:prstGeom>
+        </p:spPr>
+        <p:style>
+          <a:lnRef idx="2">
+            <a:schemeClr val="accent1">
+              <a:shade val="50000"/>
+            </a:schemeClr>
+          </a:lnRef>
+          <a:fillRef idx="1">
+            <a:schemeClr val="accent1"/>
+          </a:fillRef>
+          <a:effectRef idx="0">
+            <a:schemeClr val="accent1"/>
+          </a:effectRef>
+          <a:fontRef idx="minor">
+            <a:schemeClr val="lt1"/>
+          </a:fontRef>
+        </p:style>
+        <p:txBody>
+          <a:bodyPr rtlCol="0" anchor="ctr"/>
+          <a:lstStyle/>
+          <a:p>
+            <a:pPr algn="ctr"/>
+            <a:r>
+              <a:rPr lang="en-US" dirty="0" smtClean="0"/>
+              <a:t>Fail</a:t>
+            </a:r>
+            <a:endParaRPr lang="en-US" dirty="0"/>
+          </a:p>
+        </p:txBody>
+      </p:sp>
+      <p:cxnSp>
+        <p:nvCxnSpPr>
+          <p:cNvPr id="18" name="Straight Arrow Connector 17"/>
+          <p:cNvCxnSpPr>
+            <a:stCxn id="7" idx="3"/>
+            <a:endCxn id="17" idx="1"/>
+          </p:cNvCxnSpPr>
+          <p:nvPr/>
+        </p:nvCxnSpPr>
+        <p:spPr>
+          <a:xfrm flipV="1">
+            <a:off x="8518070" y="2269672"/>
+            <a:ext cx="762000" cy="987876"/>
+          </a:xfrm>
+          <a:prstGeom prst="straightConnector1">
+            <a:avLst/>
+          </a:prstGeom>
+          <a:ln>
+            <a:tailEnd type="triangle"/>
+          </a:ln>
+        </p:spPr>
+        <p:style>
+          <a:lnRef idx="1">
+            <a:schemeClr val="accent1"/>
+          </a:lnRef>
+          <a:fillRef idx="0">
+            <a:schemeClr val="accent1"/>
+          </a:fillRef>
+          <a:effectRef idx="0">
+            <a:schemeClr val="accent1"/>
+          </a:effectRef>
+          <a:fontRef idx="minor">
+            <a:schemeClr val="tx1"/>
+          </a:fontRef>
+        </p:style>
+      </p:cxnSp>
+      <p:cxnSp>
+        <p:nvCxnSpPr>
+          <p:cNvPr id="20" name="Straight Arrow Connector 19"/>
+          <p:cNvCxnSpPr>
+            <a:stCxn id="7" idx="3"/>
+            <a:endCxn id="14" idx="1"/>
+          </p:cNvCxnSpPr>
+          <p:nvPr/>
+        </p:nvCxnSpPr>
+        <p:spPr>
+          <a:xfrm flipV="1">
+            <a:off x="8518070" y="3243944"/>
+            <a:ext cx="786494" cy="13604"/>
+          </a:xfrm>
+          <a:prstGeom prst="straightConnector1">
+            <a:avLst/>
+          </a:prstGeom>
+          <a:ln>
+            <a:tailEnd type="triangle"/>
+          </a:ln>
+        </p:spPr>
+        <p:style>
+          <a:lnRef idx="1">
+            <a:schemeClr val="accent1"/>
+          </a:lnRef>
+          <a:fillRef idx="0">
+            <a:schemeClr val="accent1"/>
+          </a:fillRef>
+          <a:effectRef idx="0">
+            <a:schemeClr val="accent1"/>
+          </a:effectRef>
+          <a:fontRef idx="minor">
+            <a:schemeClr val="tx1"/>
+          </a:fontRef>
+        </p:style>
+      </p:cxnSp>
+      <p:cxnSp>
+        <p:nvCxnSpPr>
+          <p:cNvPr id="22" name="Straight Arrow Connector 21"/>
+          <p:cNvCxnSpPr>
+            <a:stCxn id="7" idx="3"/>
+            <a:endCxn id="15" idx="1"/>
+          </p:cNvCxnSpPr>
+          <p:nvPr/>
+        </p:nvCxnSpPr>
+        <p:spPr>
+          <a:xfrm>
+            <a:off x="8518070" y="3257548"/>
+            <a:ext cx="786494" cy="1053196"/>
+          </a:xfrm>
+          <a:prstGeom prst="straightConnector1">
+            <a:avLst/>
+          </a:prstGeom>
+          <a:ln>
+            <a:tailEnd type="triangle"/>
+          </a:ln>
+        </p:spPr>
+        <p:style>
+          <a:lnRef idx="1">
+            <a:schemeClr val="accent1"/>
+          </a:lnRef>
+          <a:fillRef idx="0">
+            <a:schemeClr val="accent1"/>
+          </a:fillRef>
+          <a:effectRef idx="0">
+            <a:schemeClr val="accent1"/>
+          </a:effectRef>
+          <a:fontRef idx="minor">
+            <a:schemeClr val="tx1"/>
+          </a:fontRef>
+        </p:style>
+      </p:cxnSp>
+    </p:spTree>
+    <p:extLst>
+      <p:ext uri="{BB962C8B-B14F-4D97-AF65-F5344CB8AC3E}">
+        <p14:creationId xmlns:p14="http://schemas.microsoft.com/office/powerpoint/2010/main" val="997948646"/>
       </p:ext>
     </p:extLst>
   </p:cSld>
